--- a/Specification/Spanish/Editable source images/Imágenes Spec Parte 5 - SPU.pptx
+++ b/Specification/Spanish/Editable source images/Imágenes Spec Parte 5 - SPU.pptx
@@ -296,7 +296,7 @@
             <a:fld id="{58855999-87E7-4646-BE91-91594D40D108}" type="datetimeFigureOut">
               <a:rPr lang="es-ES" smtClean="0"/>
               <a:pPr/>
-              <a:t>10/12/2023</a:t>
+              <a:t>30/12/2023</a:t>
             </a:fld>
             <a:endParaRPr lang="es-ES"/>
           </a:p>
@@ -463,7 +463,7 @@
             <a:fld id="{58855999-87E7-4646-BE91-91594D40D108}" type="datetimeFigureOut">
               <a:rPr lang="es-ES" smtClean="0"/>
               <a:pPr/>
-              <a:t>10/12/2023</a:t>
+              <a:t>30/12/2023</a:t>
             </a:fld>
             <a:endParaRPr lang="es-ES"/>
           </a:p>
@@ -640,7 +640,7 @@
             <a:fld id="{58855999-87E7-4646-BE91-91594D40D108}" type="datetimeFigureOut">
               <a:rPr lang="es-ES" smtClean="0"/>
               <a:pPr/>
-              <a:t>10/12/2023</a:t>
+              <a:t>30/12/2023</a:t>
             </a:fld>
             <a:endParaRPr lang="es-ES"/>
           </a:p>
@@ -807,7 +807,7 @@
             <a:fld id="{58855999-87E7-4646-BE91-91594D40D108}" type="datetimeFigureOut">
               <a:rPr lang="es-ES" smtClean="0"/>
               <a:pPr/>
-              <a:t>10/12/2023</a:t>
+              <a:t>30/12/2023</a:t>
             </a:fld>
             <a:endParaRPr lang="es-ES"/>
           </a:p>
@@ -1050,7 +1050,7 @@
             <a:fld id="{58855999-87E7-4646-BE91-91594D40D108}" type="datetimeFigureOut">
               <a:rPr lang="es-ES" smtClean="0"/>
               <a:pPr/>
-              <a:t>10/12/2023</a:t>
+              <a:t>30/12/2023</a:t>
             </a:fld>
             <a:endParaRPr lang="es-ES"/>
           </a:p>
@@ -1335,7 +1335,7 @@
             <a:fld id="{58855999-87E7-4646-BE91-91594D40D108}" type="datetimeFigureOut">
               <a:rPr lang="es-ES" smtClean="0"/>
               <a:pPr/>
-              <a:t>10/12/2023</a:t>
+              <a:t>30/12/2023</a:t>
             </a:fld>
             <a:endParaRPr lang="es-ES"/>
           </a:p>
@@ -1754,7 +1754,7 @@
             <a:fld id="{58855999-87E7-4646-BE91-91594D40D108}" type="datetimeFigureOut">
               <a:rPr lang="es-ES" smtClean="0"/>
               <a:pPr/>
-              <a:t>10/12/2023</a:t>
+              <a:t>30/12/2023</a:t>
             </a:fld>
             <a:endParaRPr lang="es-ES"/>
           </a:p>
@@ -1869,7 +1869,7 @@
             <a:fld id="{58855999-87E7-4646-BE91-91594D40D108}" type="datetimeFigureOut">
               <a:rPr lang="es-ES" smtClean="0"/>
               <a:pPr/>
-              <a:t>10/12/2023</a:t>
+              <a:t>30/12/2023</a:t>
             </a:fld>
             <a:endParaRPr lang="es-ES"/>
           </a:p>
@@ -1961,7 +1961,7 @@
             <a:fld id="{58855999-87E7-4646-BE91-91594D40D108}" type="datetimeFigureOut">
               <a:rPr lang="es-ES" smtClean="0"/>
               <a:pPr/>
-              <a:t>10/12/2023</a:t>
+              <a:t>30/12/2023</a:t>
             </a:fld>
             <a:endParaRPr lang="es-ES"/>
           </a:p>
@@ -2235,7 +2235,7 @@
             <a:fld id="{58855999-87E7-4646-BE91-91594D40D108}" type="datetimeFigureOut">
               <a:rPr lang="es-ES" smtClean="0"/>
               <a:pPr/>
-              <a:t>10/12/2023</a:t>
+              <a:t>30/12/2023</a:t>
             </a:fld>
             <a:endParaRPr lang="es-ES"/>
           </a:p>
@@ -2485,7 +2485,7 @@
             <a:fld id="{58855999-87E7-4646-BE91-91594D40D108}" type="datetimeFigureOut">
               <a:rPr lang="es-ES" smtClean="0"/>
               <a:pPr/>
-              <a:t>10/12/2023</a:t>
+              <a:t>30/12/2023</a:t>
             </a:fld>
             <a:endParaRPr lang="es-ES"/>
           </a:p>
@@ -2695,7 +2695,7 @@
             <a:fld id="{58855999-87E7-4646-BE91-91594D40D108}" type="datetimeFigureOut">
               <a:rPr lang="es-ES" smtClean="0"/>
               <a:pPr/>
-              <a:t>10/12/2023</a:t>
+              <a:t>30/12/2023</a:t>
             </a:fld>
             <a:endParaRPr lang="es-ES"/>
           </a:p>
@@ -3182,15 +3182,7 @@
                   <a:srgbClr val="0070C0"/>
                 </a:solidFill>
               </a:rPr>
-              <a:t> </a:t>
-            </a:r>
-            <a:r>
-              <a:rPr lang="es-ES" sz="2400" smtClean="0">
-                <a:solidFill>
-                  <a:srgbClr val="0070C0"/>
-                </a:solidFill>
-              </a:rPr>
-              <a:t>Consola</a:t>
+              <a:t> Consola</a:t>
             </a:r>
             <a:endParaRPr lang="es-ES" sz="2400">
               <a:solidFill>
@@ -3318,15 +3310,7 @@
                   <a:srgbClr val="006600"/>
                 </a:solidFill>
               </a:rPr>
-              <a:t>(</a:t>
-            </a:r>
-            <a:r>
-              <a:rPr lang="es-ES" sz="1100" smtClean="0">
-                <a:solidFill>
-                  <a:srgbClr val="006600"/>
-                </a:solidFill>
-              </a:rPr>
-              <a:t>sonidos)</a:t>
+              <a:t>(sonidos)</a:t>
             </a:r>
             <a:endParaRPr lang="es-ES" sz="1100">
               <a:solidFill>
@@ -5071,9 +5055,6 @@
               </a:rPr>
               <a:t>Sin modificar</a:t>
             </a:r>
-            <a:endParaRPr lang="es-ES" sz="1600" smtClean="0">
-              <a:latin typeface="Arial Rounded MT Bold" pitchFamily="34" charset="0"/>
-            </a:endParaRPr>
           </a:p>
         </p:txBody>
       </p:sp>
@@ -5103,7 +5084,7 @@
               <a:rPr lang="es-ES" sz="1600" smtClean="0">
                 <a:latin typeface="Arial Rounded MT Bold" pitchFamily="34" charset="0"/>
               </a:rPr>
-              <a:t>Volúmen </a:t>
+              <a:t>Volumen </a:t>
             </a:r>
             <a:r>
               <a:rPr lang="es-ES" sz="1600" smtClean="0">
@@ -5171,13 +5152,7 @@
               <a:rPr lang="es-ES" sz="1600" smtClean="0">
                 <a:latin typeface="Arial Rounded MT Bold" pitchFamily="34" charset="0"/>
               </a:rPr>
-              <a:t>Velocidad = </a:t>
-            </a:r>
-            <a:r>
-              <a:rPr lang="es-ES" sz="1600" smtClean="0">
-                <a:latin typeface="Arial Rounded MT Bold" pitchFamily="34" charset="0"/>
-              </a:rPr>
-              <a:t>2.0</a:t>
+              <a:t>Velocidad = 2.0</a:t>
             </a:r>
           </a:p>
         </p:txBody>
@@ -5270,17 +5245,8 @@
               <a:rPr lang="es-ES" sz="1600" smtClean="0">
                 <a:latin typeface="Arial Rounded MT Bold" pitchFamily="34" charset="0"/>
               </a:rPr>
-              <a:t>Sin </a:t>
-            </a:r>
-            <a:r>
-              <a:rPr lang="es-ES" sz="1600" smtClean="0">
-                <a:latin typeface="Arial Rounded MT Bold" pitchFamily="34" charset="0"/>
-              </a:rPr>
-              <a:t>modificar</a:t>
-            </a:r>
-            <a:endParaRPr lang="es-ES" sz="1600" smtClean="0">
-              <a:latin typeface="Arial Rounded MT Bold" pitchFamily="34" charset="0"/>
-            </a:endParaRPr>
+              <a:t>Sin modificar</a:t>
+            </a:r>
           </a:p>
         </p:txBody>
       </p:sp>
@@ -5359,7 +5325,7 @@
         <p:spPr>
           <a:xfrm>
             <a:off x="3421856" y="1628775"/>
-            <a:ext cx="0" cy="2400300"/>
+            <a:ext cx="0" cy="2383135"/>
           </a:xfrm>
           <a:prstGeom prst="line">
             <a:avLst/>
@@ -5394,7 +5360,7 @@
         <p:spPr>
           <a:xfrm>
             <a:off x="5079206" y="1614487"/>
-            <a:ext cx="0" cy="2386013"/>
+            <a:ext cx="0" cy="2397423"/>
           </a:xfrm>
           <a:prstGeom prst="line">
             <a:avLst/>
@@ -6481,11 +6447,7 @@
             <a:pPr algn="ctr"/>
             <a:r>
               <a:rPr lang="es-ES" sz="1400" b="1" smtClean="0"/>
-              <a:t>Sonido </a:t>
-            </a:r>
-            <a:r>
-              <a:rPr lang="es-ES" sz="1400" b="1" smtClean="0"/>
-              <a:t>asignado al canal</a:t>
+              <a:t>Sonido asignado al canal</a:t>
             </a:r>
             <a:endParaRPr lang="es-ES" sz="1400" b="1"/>
           </a:p>
@@ -6587,11 +6549,7 @@
           <a:p>
             <a:r>
               <a:rPr lang="es-ES" sz="1050" smtClean="0"/>
-              <a:t>Posición  </a:t>
-            </a:r>
-            <a:r>
-              <a:rPr lang="es-ES" sz="1050" smtClean="0"/>
-              <a:t>0</a:t>
+              <a:t>Posición  0</a:t>
             </a:r>
             <a:endParaRPr lang="es-ES" sz="1050"/>
           </a:p>
@@ -6755,11 +6713,7 @@
             <a:pPr algn="r"/>
             <a:r>
               <a:rPr lang="es-ES" sz="1050" smtClean="0"/>
-              <a:t>Posición  (Tamaño-1</a:t>
-            </a:r>
-            <a:r>
-              <a:rPr lang="es-ES" sz="1050" smtClean="0"/>
-              <a:t>)</a:t>
+              <a:t>Posición  (Duración-1)</a:t>
             </a:r>
             <a:endParaRPr lang="es-ES" sz="1050"/>
           </a:p>
@@ -6796,7 +6750,11 @@
             <a:pPr algn="ctr"/>
             <a:r>
               <a:rPr lang="es-ES" sz="1050" smtClean="0"/>
-              <a:t>Volúmen del canal</a:t>
+              <a:t>Volumen </a:t>
+            </a:r>
+            <a:r>
+              <a:rPr lang="es-ES" sz="1050" smtClean="0"/>
+              <a:t>del canal</a:t>
             </a:r>
             <a:endParaRPr lang="es-ES" sz="1050"/>
           </a:p>
@@ -7029,7 +6987,11 @@
             <a:pPr algn="ctr"/>
             <a:r>
               <a:rPr lang="es-ES" sz="1050" smtClean="0"/>
-              <a:t>Volúmen global</a:t>
+              <a:t>Volumen </a:t>
+            </a:r>
+            <a:r>
+              <a:rPr lang="es-ES" sz="1050" smtClean="0"/>
+              <a:t>global</a:t>
             </a:r>
             <a:endParaRPr lang="es-ES" sz="1050"/>
           </a:p>
@@ -8024,7 +7986,6 @@
               <a:rPr lang="es-ES" sz="1200" smtClean="0"/>
               <a:t>Los altavoces</a:t>
             </a:r>
-            <a:endParaRPr lang="es-ES" sz="1200" smtClean="0"/>
           </a:p>
           <a:p>
             <a:r>
@@ -8082,7 +8043,6 @@
               <a:rPr lang="es-ES" sz="1200" smtClean="0"/>
               <a:t>El mezclador</a:t>
             </a:r>
-            <a:endParaRPr lang="es-ES" sz="1200" smtClean="0"/>
           </a:p>
           <a:p>
             <a:pPr algn="ctr"/>
@@ -8676,15 +8636,7 @@
                   <a:srgbClr val="00AC56"/>
                 </a:solidFill>
               </a:rPr>
-              <a:t>Para </a:t>
-            </a:r>
-            <a:r>
-              <a:rPr lang="es-ES" sz="1100" smtClean="0">
-                <a:solidFill>
-                  <a:srgbClr val="00AC56"/>
-                </a:solidFill>
-              </a:rPr>
-              <a:t>re-producir</a:t>
+              <a:t>Para re-producir</a:t>
             </a:r>
             <a:endParaRPr lang="es-ES" sz="1100">
               <a:solidFill>
@@ -8742,11 +8694,6 @@
               </a:rPr>
               <a:t>Reprodu-ciendo</a:t>
             </a:r>
-            <a:endParaRPr lang="es-ES" sz="1100" b="1" smtClean="0">
-              <a:solidFill>
-                <a:srgbClr val="003300"/>
-              </a:solidFill>
-            </a:endParaRPr>
           </a:p>
         </p:txBody>
       </p:sp>

--- a/Specification/Spanish/Editable source images/Imágenes Spec Parte 5 - SPU.pptx
+++ b/Specification/Spanish/Editable source images/Imágenes Spec Parte 5 - SPU.pptx
@@ -296,7 +296,7 @@
             <a:fld id="{58855999-87E7-4646-BE91-91594D40D108}" type="datetimeFigureOut">
               <a:rPr lang="es-ES" smtClean="0"/>
               <a:pPr/>
-              <a:t>30/12/2023</a:t>
+              <a:t>06/01/2024</a:t>
             </a:fld>
             <a:endParaRPr lang="es-ES"/>
           </a:p>
@@ -463,7 +463,7 @@
             <a:fld id="{58855999-87E7-4646-BE91-91594D40D108}" type="datetimeFigureOut">
               <a:rPr lang="es-ES" smtClean="0"/>
               <a:pPr/>
-              <a:t>30/12/2023</a:t>
+              <a:t>06/01/2024</a:t>
             </a:fld>
             <a:endParaRPr lang="es-ES"/>
           </a:p>
@@ -640,7 +640,7 @@
             <a:fld id="{58855999-87E7-4646-BE91-91594D40D108}" type="datetimeFigureOut">
               <a:rPr lang="es-ES" smtClean="0"/>
               <a:pPr/>
-              <a:t>30/12/2023</a:t>
+              <a:t>06/01/2024</a:t>
             </a:fld>
             <a:endParaRPr lang="es-ES"/>
           </a:p>
@@ -807,7 +807,7 @@
             <a:fld id="{58855999-87E7-4646-BE91-91594D40D108}" type="datetimeFigureOut">
               <a:rPr lang="es-ES" smtClean="0"/>
               <a:pPr/>
-              <a:t>30/12/2023</a:t>
+              <a:t>06/01/2024</a:t>
             </a:fld>
             <a:endParaRPr lang="es-ES"/>
           </a:p>
@@ -1050,7 +1050,7 @@
             <a:fld id="{58855999-87E7-4646-BE91-91594D40D108}" type="datetimeFigureOut">
               <a:rPr lang="es-ES" smtClean="0"/>
               <a:pPr/>
-              <a:t>30/12/2023</a:t>
+              <a:t>06/01/2024</a:t>
             </a:fld>
             <a:endParaRPr lang="es-ES"/>
           </a:p>
@@ -1335,7 +1335,7 @@
             <a:fld id="{58855999-87E7-4646-BE91-91594D40D108}" type="datetimeFigureOut">
               <a:rPr lang="es-ES" smtClean="0"/>
               <a:pPr/>
-              <a:t>30/12/2023</a:t>
+              <a:t>06/01/2024</a:t>
             </a:fld>
             <a:endParaRPr lang="es-ES"/>
           </a:p>
@@ -1754,7 +1754,7 @@
             <a:fld id="{58855999-87E7-4646-BE91-91594D40D108}" type="datetimeFigureOut">
               <a:rPr lang="es-ES" smtClean="0"/>
               <a:pPr/>
-              <a:t>30/12/2023</a:t>
+              <a:t>06/01/2024</a:t>
             </a:fld>
             <a:endParaRPr lang="es-ES"/>
           </a:p>
@@ -1869,7 +1869,7 @@
             <a:fld id="{58855999-87E7-4646-BE91-91594D40D108}" type="datetimeFigureOut">
               <a:rPr lang="es-ES" smtClean="0"/>
               <a:pPr/>
-              <a:t>30/12/2023</a:t>
+              <a:t>06/01/2024</a:t>
             </a:fld>
             <a:endParaRPr lang="es-ES"/>
           </a:p>
@@ -1961,7 +1961,7 @@
             <a:fld id="{58855999-87E7-4646-BE91-91594D40D108}" type="datetimeFigureOut">
               <a:rPr lang="es-ES" smtClean="0"/>
               <a:pPr/>
-              <a:t>30/12/2023</a:t>
+              <a:t>06/01/2024</a:t>
             </a:fld>
             <a:endParaRPr lang="es-ES"/>
           </a:p>
@@ -2235,7 +2235,7 @@
             <a:fld id="{58855999-87E7-4646-BE91-91594D40D108}" type="datetimeFigureOut">
               <a:rPr lang="es-ES" smtClean="0"/>
               <a:pPr/>
-              <a:t>30/12/2023</a:t>
+              <a:t>06/01/2024</a:t>
             </a:fld>
             <a:endParaRPr lang="es-ES"/>
           </a:p>
@@ -2485,7 +2485,7 @@
             <a:fld id="{58855999-87E7-4646-BE91-91594D40D108}" type="datetimeFigureOut">
               <a:rPr lang="es-ES" smtClean="0"/>
               <a:pPr/>
-              <a:t>30/12/2023</a:t>
+              <a:t>06/01/2024</a:t>
             </a:fld>
             <a:endParaRPr lang="es-ES"/>
           </a:p>
@@ -2695,7 +2695,7 @@
             <a:fld id="{58855999-87E7-4646-BE91-91594D40D108}" type="datetimeFigureOut">
               <a:rPr lang="es-ES" smtClean="0"/>
               <a:pPr/>
-              <a:t>30/12/2023</a:t>
+              <a:t>06/01/2024</a:t>
             </a:fld>
             <a:endParaRPr lang="es-ES"/>
           </a:p>
@@ -3601,7 +3601,15 @@
                   <a:schemeClr val="bg1"/>
                 </a:solidFill>
               </a:rPr>
-              <a:t>Controlador cartucho</a:t>
+              <a:t>Controlador </a:t>
+            </a:r>
+            <a:r>
+              <a:rPr lang="es-ES" sz="1400" smtClean="0">
+                <a:solidFill>
+                  <a:schemeClr val="bg1"/>
+                </a:solidFill>
+              </a:rPr>
+              <a:t>de cartucho</a:t>
             </a:r>
             <a:endParaRPr lang="es-ES" sz="1400">
               <a:solidFill>
@@ -4039,7 +4047,7 @@
         </p:nvSpPr>
         <p:spPr>
           <a:xfrm>
-            <a:off x="3203849" y="1707654"/>
+            <a:off x="3059833" y="1707654"/>
             <a:ext cx="1008112" cy="432048"/>
           </a:xfrm>
           <a:prstGeom prst="roundRect">
@@ -4048,11 +4056,13 @@
             </a:avLst>
           </a:prstGeom>
           <a:solidFill>
-            <a:srgbClr val="FFC000"/>
+            <a:srgbClr val="FFFF99"/>
           </a:solidFill>
           <a:ln w="19050">
             <a:solidFill>
-              <a:srgbClr val="FF0000"/>
+              <a:schemeClr val="accent6">
+                <a:lumMod val="75000"/>
+              </a:schemeClr>
             </a:solidFill>
           </a:ln>
         </p:spPr>
@@ -4076,14 +4086,25 @@
           <a:p>
             <a:pPr algn="ctr"/>
             <a:r>
-              <a:rPr lang="es-ES" sz="1600" b="1" smtClean="0">
+              <a:rPr lang="es-ES" sz="1200" smtClean="0">
                 <a:solidFill>
                   <a:srgbClr val="C00000"/>
                 </a:solidFill>
               </a:rPr>
-              <a:t>SPU</a:t>
-            </a:r>
-            <a:endParaRPr lang="es-ES" sz="1600" b="1">
+              <a:t>Control</a:t>
+            </a:r>
+          </a:p>
+          <a:p>
+            <a:pPr algn="ctr"/>
+            <a:r>
+              <a:rPr lang="es-ES" sz="1200" smtClean="0">
+                <a:solidFill>
+                  <a:srgbClr val="C00000"/>
+                </a:solidFill>
+              </a:rPr>
+              <a:t>de la SPU</a:t>
+            </a:r>
+            <a:endParaRPr lang="es-ES" sz="1200">
               <a:solidFill>
                 <a:srgbClr val="C00000"/>
               </a:solidFill>
@@ -4099,7 +4120,7 @@
         </p:nvSpPr>
         <p:spPr>
           <a:xfrm>
-            <a:off x="1331640" y="1707654"/>
+            <a:off x="755576" y="1707654"/>
             <a:ext cx="1008113" cy="432048"/>
           </a:xfrm>
           <a:prstGeom prst="roundRect">
@@ -4154,7 +4175,7 @@
         </p:nvSpPr>
         <p:spPr>
           <a:xfrm>
-            <a:off x="5076056" y="1707654"/>
+            <a:off x="4932040" y="1707654"/>
             <a:ext cx="1008112" cy="432048"/>
           </a:xfrm>
           <a:prstGeom prst="roundRect">
@@ -4163,11 +4184,13 @@
             </a:avLst>
           </a:prstGeom>
           <a:solidFill>
-            <a:srgbClr val="99FFCC"/>
+            <a:srgbClr val="FFFF99"/>
           </a:solidFill>
           <a:ln w="19050">
             <a:solidFill>
-              <a:srgbClr val="00B050"/>
+              <a:schemeClr val="accent6">
+                <a:lumMod val="75000"/>
+              </a:schemeClr>
             </a:solidFill>
           </a:ln>
         </p:spPr>
@@ -4191,10 +4214,18 @@
           <a:p>
             <a:pPr algn="ctr"/>
             <a:r>
-              <a:rPr lang="es-ES" sz="1200" smtClean="0"/>
+              <a:rPr lang="es-ES" sz="1200" smtClean="0">
+                <a:solidFill>
+                  <a:srgbClr val="C00000"/>
+                </a:solidFill>
+              </a:rPr>
               <a:t>Mezclador</a:t>
             </a:r>
-            <a:endParaRPr lang="es-ES" sz="1200"/>
+            <a:endParaRPr lang="es-ES" sz="1200">
+              <a:solidFill>
+                <a:srgbClr val="C00000"/>
+              </a:solidFill>
+            </a:endParaRPr>
           </a:p>
         </p:txBody>
       </p:sp>
@@ -4206,7 +4237,7 @@
         </p:nvSpPr>
         <p:spPr>
           <a:xfrm>
-            <a:off x="6948264" y="1707654"/>
+            <a:off x="7380312" y="2571750"/>
             <a:ext cx="1008112" cy="432048"/>
           </a:xfrm>
           <a:prstGeom prst="roundRect">
@@ -4254,15 +4285,15 @@
         <p:nvCxnSpPr>
           <p:cNvPr id="19" name="18 Conector recto de flecha"/>
           <p:cNvCxnSpPr>
-            <a:stCxn id="17" idx="3"/>
+            <a:stCxn id="30" idx="3"/>
             <a:endCxn id="18" idx="1"/>
           </p:cNvCxnSpPr>
           <p:nvPr/>
         </p:nvCxnSpPr>
         <p:spPr>
           <a:xfrm>
-            <a:off x="6084168" y="1923678"/>
-            <a:ext cx="864096" cy="0"/>
+            <a:off x="5940152" y="2787774"/>
+            <a:ext cx="1440160" cy="0"/>
           </a:xfrm>
           <a:prstGeom prst="straightConnector1">
             <a:avLst/>
@@ -4297,8 +4328,8 @@
         </p:nvCxnSpPr>
         <p:spPr>
           <a:xfrm>
-            <a:off x="2339753" y="1923678"/>
-            <a:ext cx="864096" cy="0"/>
+            <a:off x="1763689" y="1923678"/>
+            <a:ext cx="1296144" cy="0"/>
           </a:xfrm>
           <a:prstGeom prst="straightConnector1">
             <a:avLst/>
@@ -4330,7 +4361,7 @@
         </p:nvSpPr>
         <p:spPr>
           <a:xfrm>
-            <a:off x="2339752" y="1419623"/>
+            <a:off x="1619672" y="1419623"/>
             <a:ext cx="1008112" cy="461665"/>
           </a:xfrm>
           <a:prstGeom prst="rect">
@@ -4344,6 +4375,7 @@
           </a:bodyPr>
           <a:lstStyle/>
           <a:p>
+            <a:pPr algn="r"/>
             <a:r>
               <a:rPr lang="es-ES" sz="1200" smtClean="0"/>
               <a:t>Petición de comando</a:t>
@@ -4363,7 +4395,7 @@
         </p:nvCxnSpPr>
         <p:spPr>
           <a:xfrm>
-            <a:off x="4211963" y="1923678"/>
+            <a:off x="4067947" y="1923678"/>
             <a:ext cx="864095" cy="0"/>
           </a:xfrm>
           <a:prstGeom prst="straightConnector1">
@@ -4396,7 +4428,7 @@
         </p:nvSpPr>
         <p:spPr>
           <a:xfrm>
-            <a:off x="4211960" y="1419623"/>
+            <a:off x="4067944" y="1419623"/>
             <a:ext cx="1008112" cy="461665"/>
           </a:xfrm>
           <a:prstGeom prst="rect">
@@ -4432,7 +4464,7 @@
         </p:nvSpPr>
         <p:spPr>
           <a:xfrm>
-            <a:off x="3203848" y="2571750"/>
+            <a:off x="3059832" y="2571750"/>
             <a:ext cx="1008112" cy="432048"/>
           </a:xfrm>
           <a:prstGeom prst="roundRect">
@@ -4487,7 +4519,7 @@
         </p:nvCxnSpPr>
         <p:spPr>
           <a:xfrm flipV="1">
-            <a:off x="3707904" y="2139702"/>
+            <a:off x="3563888" y="2139702"/>
             <a:ext cx="1" cy="432048"/>
           </a:xfrm>
           <a:prstGeom prst="straightConnector1">
@@ -4521,7 +4553,7 @@
         </p:nvSpPr>
         <p:spPr>
           <a:xfrm>
-            <a:off x="3779912" y="2222744"/>
+            <a:off x="3563888" y="2222744"/>
             <a:ext cx="1080120" cy="276999"/>
           </a:xfrm>
           <a:prstGeom prst="rect">
@@ -4535,6 +4567,7 @@
           </a:bodyPr>
           <a:lstStyle/>
           <a:p>
+            <a:pPr algn="r"/>
             <a:r>
               <a:rPr lang="es-ES" sz="1200" smtClean="0"/>
               <a:t>Leer samples</a:t>
@@ -4551,7 +4584,7 @@
         </p:nvSpPr>
         <p:spPr>
           <a:xfrm>
-            <a:off x="6084168" y="1419623"/>
+            <a:off x="6516216" y="2283719"/>
             <a:ext cx="792088" cy="461665"/>
           </a:xfrm>
           <a:prstGeom prst="rect">
@@ -4576,6 +4609,190 @@
               <a:t>de audio</a:t>
             </a:r>
             <a:endParaRPr lang="es-ES" sz="1200"/>
+          </a:p>
+        </p:txBody>
+      </p:sp>
+      <p:sp>
+        <p:nvSpPr>
+          <p:cNvPr id="30" name="29 Rectángulo redondeado"/>
+          <p:cNvSpPr/>
+          <p:nvPr/>
+        </p:nvSpPr>
+        <p:spPr>
+          <a:xfrm>
+            <a:off x="4932040" y="2571750"/>
+            <a:ext cx="1008112" cy="432048"/>
+          </a:xfrm>
+          <a:prstGeom prst="roundRect">
+            <a:avLst>
+              <a:gd name="adj" fmla="val 12476"/>
+            </a:avLst>
+          </a:prstGeom>
+          <a:solidFill>
+            <a:srgbClr val="99FFCC"/>
+          </a:solidFill>
+          <a:ln w="19050">
+            <a:solidFill>
+              <a:srgbClr val="00B050"/>
+            </a:solidFill>
+          </a:ln>
+        </p:spPr>
+        <p:style>
+          <a:lnRef idx="2">
+            <a:schemeClr val="dk1"/>
+          </a:lnRef>
+          <a:fillRef idx="1">
+            <a:schemeClr val="lt1"/>
+          </a:fillRef>
+          <a:effectRef idx="0">
+            <a:schemeClr val="dk1"/>
+          </a:effectRef>
+          <a:fontRef idx="minor">
+            <a:schemeClr val="dk1"/>
+          </a:fontRef>
+        </p:style>
+        <p:txBody>
+          <a:bodyPr rtlCol="0" anchor="ctr"/>
+          <a:lstStyle/>
+          <a:p>
+            <a:pPr algn="ctr"/>
+            <a:r>
+              <a:rPr lang="es-ES" sz="1200" smtClean="0"/>
+              <a:t>Buffers</a:t>
+            </a:r>
+          </a:p>
+          <a:p>
+            <a:pPr algn="ctr"/>
+            <a:r>
+              <a:rPr lang="es-ES" sz="1200" smtClean="0"/>
+              <a:t>de salida</a:t>
+            </a:r>
+            <a:endParaRPr lang="es-ES" sz="1200"/>
+          </a:p>
+        </p:txBody>
+      </p:sp>
+      <p:cxnSp>
+        <p:nvCxnSpPr>
+          <p:cNvPr id="31" name="30 Conector recto de flecha"/>
+          <p:cNvCxnSpPr>
+            <a:stCxn id="17" idx="2"/>
+            <a:endCxn id="30" idx="0"/>
+          </p:cNvCxnSpPr>
+          <p:nvPr/>
+        </p:nvCxnSpPr>
+        <p:spPr>
+          <a:xfrm>
+            <a:off x="5436096" y="2139702"/>
+            <a:ext cx="0" cy="432048"/>
+          </a:xfrm>
+          <a:prstGeom prst="straightConnector1">
+            <a:avLst/>
+          </a:prstGeom>
+          <a:ln w="38100">
+            <a:tailEnd type="arrow"/>
+          </a:ln>
+        </p:spPr>
+        <p:style>
+          <a:lnRef idx="1">
+            <a:schemeClr val="accent1"/>
+          </a:lnRef>
+          <a:fillRef idx="0">
+            <a:schemeClr val="accent1"/>
+          </a:fillRef>
+          <a:effectRef idx="0">
+            <a:schemeClr val="accent1"/>
+          </a:effectRef>
+          <a:fontRef idx="minor">
+            <a:schemeClr val="tx1"/>
+          </a:fontRef>
+        </p:style>
+      </p:cxnSp>
+      <p:sp>
+        <p:nvSpPr>
+          <p:cNvPr id="34" name="33 CuadroTexto"/>
+          <p:cNvSpPr txBox="1"/>
+          <p:nvPr/>
+        </p:nvSpPr>
+        <p:spPr>
+          <a:xfrm>
+            <a:off x="5292080" y="2222744"/>
+            <a:ext cx="1080120" cy="276999"/>
+          </a:xfrm>
+          <a:prstGeom prst="rect">
+            <a:avLst/>
+          </a:prstGeom>
+          <a:noFill/>
+        </p:spPr>
+        <p:txBody>
+          <a:bodyPr wrap="square" rtlCol="0">
+            <a:spAutoFit/>
+          </a:bodyPr>
+          <a:lstStyle/>
+          <a:p>
+            <a:pPr algn="r"/>
+            <a:r>
+              <a:rPr lang="es-ES" sz="1200" smtClean="0"/>
+              <a:t>Almacenar</a:t>
+            </a:r>
+            <a:endParaRPr lang="es-ES" sz="1200"/>
+          </a:p>
+        </p:txBody>
+      </p:sp>
+      <p:sp>
+        <p:nvSpPr>
+          <p:cNvPr id="35" name="34 Rectángulo redondeado"/>
+          <p:cNvSpPr/>
+          <p:nvPr/>
+        </p:nvSpPr>
+        <p:spPr>
+          <a:xfrm>
+            <a:off x="2699792" y="1275606"/>
+            <a:ext cx="3744416" cy="1944216"/>
+          </a:xfrm>
+          <a:prstGeom prst="roundRect">
+            <a:avLst>
+              <a:gd name="adj" fmla="val 6424"/>
+            </a:avLst>
+          </a:prstGeom>
+          <a:noFill/>
+          <a:ln w="28575">
+            <a:solidFill>
+              <a:srgbClr val="FF0000"/>
+            </a:solidFill>
+            <a:prstDash val="sysDash"/>
+          </a:ln>
+        </p:spPr>
+        <p:style>
+          <a:lnRef idx="2">
+            <a:schemeClr val="dk1"/>
+          </a:lnRef>
+          <a:fillRef idx="1">
+            <a:schemeClr val="lt1"/>
+          </a:fillRef>
+          <a:effectRef idx="0">
+            <a:schemeClr val="dk1"/>
+          </a:effectRef>
+          <a:fontRef idx="minor">
+            <a:schemeClr val="dk1"/>
+          </a:fontRef>
+        </p:style>
+        <p:txBody>
+          <a:bodyPr rtlCol="0" anchor="t"/>
+          <a:lstStyle/>
+          <a:p>
+            <a:r>
+              <a:rPr lang="es-ES" b="1" smtClean="0">
+                <a:solidFill>
+                  <a:srgbClr val="FF0000"/>
+                </a:solidFill>
+              </a:rPr>
+              <a:t>SPU</a:t>
+            </a:r>
+            <a:endParaRPr lang="es-ES" b="1">
+              <a:solidFill>
+                <a:srgbClr val="FF0000"/>
+              </a:solidFill>
+            </a:endParaRPr>
           </a:p>
         </p:txBody>
       </p:sp>
@@ -4801,7 +5018,7 @@
             <p:cNvPr id="41" name="CuadroTexto 19">
               <a:extLst>
                 <a:ext uri="{FF2B5EF4-FFF2-40B4-BE49-F238E27FC236}">
-                  <a16:creationId xmlns:a16="http://schemas.microsoft.com/office/drawing/2014/main" xmlns="" id="{B81A97C9-B44A-4DCA-962F-3BB6FD3A6362}"/>
+                  <a16:creationId xmlns="" xmlns:a16="http://schemas.microsoft.com/office/drawing/2014/main" id="{B81A97C9-B44A-4DCA-962F-3BB6FD3A6362}"/>
                 </a:ext>
               </a:extLst>
             </p:cNvPr>
@@ -5084,13 +5301,7 @@
               <a:rPr lang="es-ES" sz="1600" smtClean="0">
                 <a:latin typeface="Arial Rounded MT Bold" pitchFamily="34" charset="0"/>
               </a:rPr>
-              <a:t>Volumen </a:t>
-            </a:r>
-            <a:r>
-              <a:rPr lang="es-ES" sz="1600" smtClean="0">
-                <a:latin typeface="Arial Rounded MT Bold" pitchFamily="34" charset="0"/>
-              </a:rPr>
-              <a:t>= 1.8</a:t>
+              <a:t>Volumen = 1.8</a:t>
             </a:r>
           </a:p>
         </p:txBody>
@@ -5533,7 +5744,7 @@
           <p:cNvPr id="26" name="CuadroTexto 19">
             <a:extLst>
               <a:ext uri="{FF2B5EF4-FFF2-40B4-BE49-F238E27FC236}">
-                <a16:creationId xmlns:a16="http://schemas.microsoft.com/office/drawing/2014/main" xmlns="" id="{B81A97C9-B44A-4DCA-962F-3BB6FD3A6362}"/>
+                <a16:creationId xmlns="" xmlns:a16="http://schemas.microsoft.com/office/drawing/2014/main" id="{B81A97C9-B44A-4DCA-962F-3BB6FD3A6362}"/>
               </a:ext>
             </a:extLst>
           </p:cNvPr>
@@ -5570,7 +5781,7 @@
           <p:cNvPr id="27" name="CuadroTexto 19">
             <a:extLst>
               <a:ext uri="{FF2B5EF4-FFF2-40B4-BE49-F238E27FC236}">
-                <a16:creationId xmlns:a16="http://schemas.microsoft.com/office/drawing/2014/main" xmlns="" id="{B81A97C9-B44A-4DCA-962F-3BB6FD3A6362}"/>
+                <a16:creationId xmlns="" xmlns:a16="http://schemas.microsoft.com/office/drawing/2014/main" id="{B81A97C9-B44A-4DCA-962F-3BB6FD3A6362}"/>
               </a:ext>
             </a:extLst>
           </p:cNvPr>
@@ -5607,7 +5818,7 @@
           <p:cNvPr id="31" name="CuadroTexto 19">
             <a:extLst>
               <a:ext uri="{FF2B5EF4-FFF2-40B4-BE49-F238E27FC236}">
-                <a16:creationId xmlns:a16="http://schemas.microsoft.com/office/drawing/2014/main" xmlns="" id="{B81A97C9-B44A-4DCA-962F-3BB6FD3A6362}"/>
+                <a16:creationId xmlns="" xmlns:a16="http://schemas.microsoft.com/office/drawing/2014/main" id="{B81A97C9-B44A-4DCA-962F-3BB6FD3A6362}"/>
               </a:ext>
             </a:extLst>
           </p:cNvPr>
@@ -5643,7 +5854,7 @@
           <p:cNvPr id="33" name="CuadroTexto 19">
             <a:extLst>
               <a:ext uri="{FF2B5EF4-FFF2-40B4-BE49-F238E27FC236}">
-                <a16:creationId xmlns:a16="http://schemas.microsoft.com/office/drawing/2014/main" xmlns="" id="{B81A97C9-B44A-4DCA-962F-3BB6FD3A6362}"/>
+                <a16:creationId xmlns="" xmlns:a16="http://schemas.microsoft.com/office/drawing/2014/main" id="{B81A97C9-B44A-4DCA-962F-3BB6FD3A6362}"/>
               </a:ext>
             </a:extLst>
           </p:cNvPr>
@@ -5680,7 +5891,7 @@
           <p:cNvPr id="35" name="CuadroTexto 19">
             <a:extLst>
               <a:ext uri="{FF2B5EF4-FFF2-40B4-BE49-F238E27FC236}">
-                <a16:creationId xmlns:a16="http://schemas.microsoft.com/office/drawing/2014/main" xmlns="" id="{B81A97C9-B44A-4DCA-962F-3BB6FD3A6362}"/>
+                <a16:creationId xmlns="" xmlns:a16="http://schemas.microsoft.com/office/drawing/2014/main" id="{B81A97C9-B44A-4DCA-962F-3BB6FD3A6362}"/>
               </a:ext>
             </a:extLst>
           </p:cNvPr>
@@ -5849,7 +6060,7 @@
           <p:cNvPr id="26" name="CuadroTexto 19">
             <a:extLst>
               <a:ext uri="{FF2B5EF4-FFF2-40B4-BE49-F238E27FC236}">
-                <a16:creationId xmlns:a16="http://schemas.microsoft.com/office/drawing/2014/main" xmlns="" id="{B81A97C9-B44A-4DCA-962F-3BB6FD3A6362}"/>
+                <a16:creationId xmlns="" xmlns:a16="http://schemas.microsoft.com/office/drawing/2014/main" id="{B81A97C9-B44A-4DCA-962F-3BB6FD3A6362}"/>
               </a:ext>
             </a:extLst>
           </p:cNvPr>
@@ -5886,7 +6097,7 @@
           <p:cNvPr id="33" name="CuadroTexto 19">
             <a:extLst>
               <a:ext uri="{FF2B5EF4-FFF2-40B4-BE49-F238E27FC236}">
-                <a16:creationId xmlns:a16="http://schemas.microsoft.com/office/drawing/2014/main" xmlns="" id="{B81A97C9-B44A-4DCA-962F-3BB6FD3A6362}"/>
+                <a16:creationId xmlns="" xmlns:a16="http://schemas.microsoft.com/office/drawing/2014/main" id="{B81A97C9-B44A-4DCA-962F-3BB6FD3A6362}"/>
               </a:ext>
             </a:extLst>
           </p:cNvPr>
@@ -5923,7 +6134,7 @@
           <p:cNvPr id="16" name="CuadroTexto 19">
             <a:extLst>
               <a:ext uri="{FF2B5EF4-FFF2-40B4-BE49-F238E27FC236}">
-                <a16:creationId xmlns:a16="http://schemas.microsoft.com/office/drawing/2014/main" xmlns="" id="{B81A97C9-B44A-4DCA-962F-3BB6FD3A6362}"/>
+                <a16:creationId xmlns="" xmlns:a16="http://schemas.microsoft.com/office/drawing/2014/main" id="{B81A97C9-B44A-4DCA-962F-3BB6FD3A6362}"/>
               </a:ext>
             </a:extLst>
           </p:cNvPr>
@@ -6006,7 +6217,7 @@
           <p:cNvPr id="18" name="CuadroTexto 19">
             <a:extLst>
               <a:ext uri="{FF2B5EF4-FFF2-40B4-BE49-F238E27FC236}">
-                <a16:creationId xmlns:a16="http://schemas.microsoft.com/office/drawing/2014/main" xmlns="" id="{B81A97C9-B44A-4DCA-962F-3BB6FD3A6362}"/>
+                <a16:creationId xmlns="" xmlns:a16="http://schemas.microsoft.com/office/drawing/2014/main" id="{B81A97C9-B44A-4DCA-962F-3BB6FD3A6362}"/>
               </a:ext>
             </a:extLst>
           </p:cNvPr>
@@ -6095,7 +6306,7 @@
           <p:cNvPr id="20" name="CuadroTexto 19">
             <a:extLst>
               <a:ext uri="{FF2B5EF4-FFF2-40B4-BE49-F238E27FC236}">
-                <a16:creationId xmlns:a16="http://schemas.microsoft.com/office/drawing/2014/main" xmlns="" id="{B81A97C9-B44A-4DCA-962F-3BB6FD3A6362}"/>
+                <a16:creationId xmlns="" xmlns:a16="http://schemas.microsoft.com/office/drawing/2014/main" id="{B81A97C9-B44A-4DCA-962F-3BB6FD3A6362}"/>
               </a:ext>
             </a:extLst>
           </p:cNvPr>
@@ -6524,7 +6735,7 @@
           <p:cNvPr id="35" name="CuadroTexto 19">
             <a:extLst>
               <a:ext uri="{FF2B5EF4-FFF2-40B4-BE49-F238E27FC236}">
-                <a16:creationId xmlns:a16="http://schemas.microsoft.com/office/drawing/2014/main" xmlns="" id="{B81A97C9-B44A-4DCA-962F-3BB6FD3A6362}"/>
+                <a16:creationId xmlns="" xmlns:a16="http://schemas.microsoft.com/office/drawing/2014/main" id="{B81A97C9-B44A-4DCA-962F-3BB6FD3A6362}"/>
               </a:ext>
             </a:extLst>
           </p:cNvPr>
@@ -6534,7 +6745,7 @@
         <p:spPr>
           <a:xfrm>
             <a:off x="683568" y="3421038"/>
-            <a:ext cx="792088" cy="230832"/>
+            <a:ext cx="864096" cy="230832"/>
           </a:xfrm>
           <a:prstGeom prst="rect">
             <a:avLst/>
@@ -6549,7 +6760,7 @@
           <a:p>
             <a:r>
               <a:rPr lang="es-ES" sz="1050" smtClean="0"/>
-              <a:t>Posición  0</a:t>
+              <a:t>Posición = 0</a:t>
             </a:r>
             <a:endParaRPr lang="es-ES" sz="1050"/>
           </a:p>
@@ -6651,7 +6862,7 @@
           <p:cNvPr id="44" name="CuadroTexto 19">
             <a:extLst>
               <a:ext uri="{FF2B5EF4-FFF2-40B4-BE49-F238E27FC236}">
-                <a16:creationId xmlns:a16="http://schemas.microsoft.com/office/drawing/2014/main" xmlns="" id="{B81A97C9-B44A-4DCA-962F-3BB6FD3A6362}"/>
+                <a16:creationId xmlns="" xmlns:a16="http://schemas.microsoft.com/office/drawing/2014/main" id="{B81A97C9-B44A-4DCA-962F-3BB6FD3A6362}"/>
               </a:ext>
             </a:extLst>
           </p:cNvPr>
@@ -6687,7 +6898,7 @@
           <p:cNvPr id="60" name="CuadroTexto 19">
             <a:extLst>
               <a:ext uri="{FF2B5EF4-FFF2-40B4-BE49-F238E27FC236}">
-                <a16:creationId xmlns:a16="http://schemas.microsoft.com/office/drawing/2014/main" xmlns="" id="{B81A97C9-B44A-4DCA-962F-3BB6FD3A6362}"/>
+                <a16:creationId xmlns="" xmlns:a16="http://schemas.microsoft.com/office/drawing/2014/main" id="{B81A97C9-B44A-4DCA-962F-3BB6FD3A6362}"/>
               </a:ext>
             </a:extLst>
           </p:cNvPr>
@@ -6696,8 +6907,8 @@
         </p:nvSpPr>
         <p:spPr>
           <a:xfrm>
-            <a:off x="1619672" y="3421038"/>
-            <a:ext cx="1368152" cy="230832"/>
+            <a:off x="1547664" y="3421038"/>
+            <a:ext cx="1440160" cy="230832"/>
           </a:xfrm>
           <a:prstGeom prst="rect">
             <a:avLst/>
@@ -6713,7 +6924,7 @@
             <a:pPr algn="r"/>
             <a:r>
               <a:rPr lang="es-ES" sz="1050" smtClean="0"/>
-              <a:t>Posición  (Duración-1)</a:t>
+              <a:t>Posición = Duración - 1</a:t>
             </a:r>
             <a:endParaRPr lang="es-ES" sz="1050"/>
           </a:p>
@@ -6724,7 +6935,7 @@
           <p:cNvPr id="75" name="CuadroTexto 19">
             <a:extLst>
               <a:ext uri="{FF2B5EF4-FFF2-40B4-BE49-F238E27FC236}">
-                <a16:creationId xmlns:a16="http://schemas.microsoft.com/office/drawing/2014/main" xmlns="" id="{B81A97C9-B44A-4DCA-962F-3BB6FD3A6362}"/>
+                <a16:creationId xmlns="" xmlns:a16="http://schemas.microsoft.com/office/drawing/2014/main" id="{B81A97C9-B44A-4DCA-962F-3BB6FD3A6362}"/>
               </a:ext>
             </a:extLst>
           </p:cNvPr>
@@ -6750,11 +6961,7 @@
             <a:pPr algn="ctr"/>
             <a:r>
               <a:rPr lang="es-ES" sz="1050" smtClean="0"/>
-              <a:t>Volumen </a:t>
-            </a:r>
-            <a:r>
-              <a:rPr lang="es-ES" sz="1050" smtClean="0"/>
-              <a:t>del canal</a:t>
+              <a:t>Volumen del canal</a:t>
             </a:r>
             <a:endParaRPr lang="es-ES" sz="1050"/>
           </a:p>
@@ -6961,7 +7168,7 @@
           <p:cNvPr id="88" name="CuadroTexto 19">
             <a:extLst>
               <a:ext uri="{FF2B5EF4-FFF2-40B4-BE49-F238E27FC236}">
-                <a16:creationId xmlns:a16="http://schemas.microsoft.com/office/drawing/2014/main" xmlns="" id="{B81A97C9-B44A-4DCA-962F-3BB6FD3A6362}"/>
+                <a16:creationId xmlns="" xmlns:a16="http://schemas.microsoft.com/office/drawing/2014/main" id="{B81A97C9-B44A-4DCA-962F-3BB6FD3A6362}"/>
               </a:ext>
             </a:extLst>
           </p:cNvPr>
@@ -6987,11 +7194,7 @@
             <a:pPr algn="ctr"/>
             <a:r>
               <a:rPr lang="es-ES" sz="1050" smtClean="0"/>
-              <a:t>Volumen </a:t>
-            </a:r>
-            <a:r>
-              <a:rPr lang="es-ES" sz="1050" smtClean="0"/>
-              <a:t>global</a:t>
+              <a:t>Volumen global</a:t>
             </a:r>
             <a:endParaRPr lang="es-ES" sz="1050"/>
           </a:p>
@@ -7077,8 +7280,8 @@
         </p:nvSpPr>
         <p:spPr>
           <a:xfrm>
-            <a:off x="7884368" y="2499742"/>
-            <a:ext cx="936104" cy="720080"/>
+            <a:off x="7884368" y="2571750"/>
+            <a:ext cx="936104" cy="576064"/>
           </a:xfrm>
           <a:prstGeom prst="roundRect">
             <a:avLst>
@@ -7234,7 +7437,7 @@
           <p:cNvPr id="68" name="CuadroTexto 19">
             <a:extLst>
               <a:ext uri="{FF2B5EF4-FFF2-40B4-BE49-F238E27FC236}">
-                <a16:creationId xmlns:a16="http://schemas.microsoft.com/office/drawing/2014/main" xmlns="" id="{B81A97C9-B44A-4DCA-962F-3BB6FD3A6362}"/>
+                <a16:creationId xmlns="" xmlns:a16="http://schemas.microsoft.com/office/drawing/2014/main" id="{B81A97C9-B44A-4DCA-962F-3BB6FD3A6362}"/>
               </a:ext>
             </a:extLst>
           </p:cNvPr>
@@ -7270,7 +7473,7 @@
           <p:cNvPr id="69" name="CuadroTexto 19">
             <a:extLst>
               <a:ext uri="{FF2B5EF4-FFF2-40B4-BE49-F238E27FC236}">
-                <a16:creationId xmlns:a16="http://schemas.microsoft.com/office/drawing/2014/main" xmlns="" id="{B81A97C9-B44A-4DCA-962F-3BB6FD3A6362}"/>
+                <a16:creationId xmlns="" xmlns:a16="http://schemas.microsoft.com/office/drawing/2014/main" id="{B81A97C9-B44A-4DCA-962F-3BB6FD3A6362}"/>
               </a:ext>
             </a:extLst>
           </p:cNvPr>
@@ -7306,7 +7509,7 @@
           <p:cNvPr id="73" name="CuadroTexto 19">
             <a:extLst>
               <a:ext uri="{FF2B5EF4-FFF2-40B4-BE49-F238E27FC236}">
-                <a16:creationId xmlns:a16="http://schemas.microsoft.com/office/drawing/2014/main" xmlns="" id="{B81A97C9-B44A-4DCA-962F-3BB6FD3A6362}"/>
+                <a16:creationId xmlns="" xmlns:a16="http://schemas.microsoft.com/office/drawing/2014/main" id="{B81A97C9-B44A-4DCA-962F-3BB6FD3A6362}"/>
               </a:ext>
             </a:extLst>
           </p:cNvPr>
@@ -7959,7 +8162,7 @@
           <p:cNvPr id="57" name="CuadroTexto 19">
             <a:extLst>
               <a:ext uri="{FF2B5EF4-FFF2-40B4-BE49-F238E27FC236}">
-                <a16:creationId xmlns:a16="http://schemas.microsoft.com/office/drawing/2014/main" xmlns="" id="{B81A97C9-B44A-4DCA-962F-3BB6FD3A6362}"/>
+                <a16:creationId xmlns="" xmlns:a16="http://schemas.microsoft.com/office/drawing/2014/main" id="{B81A97C9-B44A-4DCA-962F-3BB6FD3A6362}"/>
               </a:ext>
             </a:extLst>
           </p:cNvPr>
@@ -8015,7 +8218,7 @@
           <p:cNvPr id="58" name="CuadroTexto 19">
             <a:extLst>
               <a:ext uri="{FF2B5EF4-FFF2-40B4-BE49-F238E27FC236}">
-                <a16:creationId xmlns:a16="http://schemas.microsoft.com/office/drawing/2014/main" xmlns="" id="{B81A97C9-B44A-4DCA-962F-3BB6FD3A6362}"/>
+                <a16:creationId xmlns="" xmlns:a16="http://schemas.microsoft.com/office/drawing/2014/main" id="{B81A97C9-B44A-4DCA-962F-3BB6FD3A6362}"/>
               </a:ext>
             </a:extLst>
           </p:cNvPr>
